--- a/docs/titilink架构方案_讨论稿.pptx
+++ b/docs/titilink架构方案_讨论稿.pptx
@@ -21,6 +21,8 @@
     <p:sldId id="271" r:id="rId15"/>
     <p:sldId id="270" r:id="rId16"/>
     <p:sldId id="272" r:id="rId17"/>
+    <p:sldId id="273" r:id="rId18"/>
+    <p:sldId id="274" r:id="rId19"/>
   </p:sldIdLst>
   <p:sldSz cx="9144000" cy="6858000" type="screen4x3"/>
   <p:notesSz cx="6858000" cy="9144000"/>
@@ -303,7 +305,7 @@
           <a:p>
             <a:fld id="{530820CF-B880-4189-942D-D702A7CBA730}" type="datetimeFigureOut">
               <a:rPr lang="zh-CN" altLang="en-US" smtClean="0"/>
-              <a:t>2015/5/16</a:t>
+              <a:t>2016/1/26</a:t>
             </a:fld>
             <a:endParaRPr lang="zh-CN" altLang="en-US"/>
           </a:p>
@@ -468,7 +470,7 @@
           <a:p>
             <a:fld id="{530820CF-B880-4189-942D-D702A7CBA730}" type="datetimeFigureOut">
               <a:rPr lang="zh-CN" altLang="en-US" smtClean="0"/>
-              <a:t>2015/5/16</a:t>
+              <a:t>2016/1/26</a:t>
             </a:fld>
             <a:endParaRPr lang="zh-CN" altLang="en-US"/>
           </a:p>
@@ -643,7 +645,7 @@
           <a:p>
             <a:fld id="{530820CF-B880-4189-942D-D702A7CBA730}" type="datetimeFigureOut">
               <a:rPr lang="zh-CN" altLang="en-US" smtClean="0"/>
-              <a:t>2015/5/16</a:t>
+              <a:t>2016/1/26</a:t>
             </a:fld>
             <a:endParaRPr lang="zh-CN" altLang="en-US"/>
           </a:p>
@@ -808,7 +810,7 @@
           <a:p>
             <a:fld id="{530820CF-B880-4189-942D-D702A7CBA730}" type="datetimeFigureOut">
               <a:rPr lang="zh-CN" altLang="en-US" smtClean="0"/>
-              <a:t>2015/5/16</a:t>
+              <a:t>2016/1/26</a:t>
             </a:fld>
             <a:endParaRPr lang="zh-CN" altLang="en-US"/>
           </a:p>
@@ -1049,7 +1051,7 @@
           <a:p>
             <a:fld id="{530820CF-B880-4189-942D-D702A7CBA730}" type="datetimeFigureOut">
               <a:rPr lang="zh-CN" altLang="en-US" smtClean="0"/>
-              <a:t>2015/5/16</a:t>
+              <a:t>2016/1/26</a:t>
             </a:fld>
             <a:endParaRPr lang="zh-CN" altLang="en-US"/>
           </a:p>
@@ -1332,7 +1334,7 @@
           <a:p>
             <a:fld id="{530820CF-B880-4189-942D-D702A7CBA730}" type="datetimeFigureOut">
               <a:rPr lang="zh-CN" altLang="en-US" smtClean="0"/>
-              <a:t>2015/5/16</a:t>
+              <a:t>2016/1/26</a:t>
             </a:fld>
             <a:endParaRPr lang="zh-CN" altLang="en-US"/>
           </a:p>
@@ -1749,7 +1751,7 @@
           <a:p>
             <a:fld id="{530820CF-B880-4189-942D-D702A7CBA730}" type="datetimeFigureOut">
               <a:rPr lang="zh-CN" altLang="en-US" smtClean="0"/>
-              <a:t>2015/5/16</a:t>
+              <a:t>2016/1/26</a:t>
             </a:fld>
             <a:endParaRPr lang="zh-CN" altLang="en-US"/>
           </a:p>
@@ -1862,7 +1864,7 @@
           <a:p>
             <a:fld id="{530820CF-B880-4189-942D-D702A7CBA730}" type="datetimeFigureOut">
               <a:rPr lang="zh-CN" altLang="en-US" smtClean="0"/>
-              <a:t>2015/5/16</a:t>
+              <a:t>2016/1/26</a:t>
             </a:fld>
             <a:endParaRPr lang="zh-CN" altLang="en-US"/>
           </a:p>
@@ -1952,7 +1954,7 @@
           <a:p>
             <a:fld id="{530820CF-B880-4189-942D-D702A7CBA730}" type="datetimeFigureOut">
               <a:rPr lang="zh-CN" altLang="en-US" smtClean="0"/>
-              <a:t>2015/5/16</a:t>
+              <a:t>2016/1/26</a:t>
             </a:fld>
             <a:endParaRPr lang="zh-CN" altLang="en-US"/>
           </a:p>
@@ -2224,7 +2226,7 @@
           <a:p>
             <a:fld id="{530820CF-B880-4189-942D-D702A7CBA730}" type="datetimeFigureOut">
               <a:rPr lang="zh-CN" altLang="en-US" smtClean="0"/>
-              <a:t>2015/5/16</a:t>
+              <a:t>2016/1/26</a:t>
             </a:fld>
             <a:endParaRPr lang="zh-CN" altLang="en-US"/>
           </a:p>
@@ -2472,7 +2474,7 @@
           <a:p>
             <a:fld id="{530820CF-B880-4189-942D-D702A7CBA730}" type="datetimeFigureOut">
               <a:rPr lang="zh-CN" altLang="en-US" smtClean="0"/>
-              <a:t>2015/5/16</a:t>
+              <a:t>2016/1/26</a:t>
             </a:fld>
             <a:endParaRPr lang="zh-CN" altLang="en-US"/>
           </a:p>
@@ -2685,7 +2687,7 @@
           <a:p>
             <a:fld id="{530820CF-B880-4189-942D-D702A7CBA730}" type="datetimeFigureOut">
               <a:rPr lang="zh-CN" altLang="en-US" smtClean="0"/>
-              <a:t>2015/5/16</a:t>
+              <a:t>2016/1/26</a:t>
             </a:fld>
             <a:endParaRPr lang="zh-CN" altLang="en-US"/>
           </a:p>
@@ -4161,6 +4163,830 @@
       </p:par>
     </p:tnLst>
   </p:timing>
+</p:sld>
+</file>
+
+<file path=ppt/slides/slide17.xml><?xml version="1.0" encoding="utf-8"?>
+<p:sld xmlns:a="http://schemas.openxmlformats.org/drawingml/2006/main" xmlns:r="http://schemas.openxmlformats.org/officeDocument/2006/relationships" xmlns:p="http://schemas.openxmlformats.org/presentationml/2006/main">
+  <p:cSld>
+    <p:spTree>
+      <p:nvGrpSpPr>
+        <p:cNvPr id="1" name=""/>
+        <p:cNvGrpSpPr/>
+        <p:nvPr/>
+      </p:nvGrpSpPr>
+      <p:grpSpPr>
+        <a:xfrm>
+          <a:off x="0" y="0"/>
+          <a:ext cx="0" cy="0"/>
+          <a:chOff x="0" y="0"/>
+          <a:chExt cx="0" cy="0"/>
+        </a:xfrm>
+      </p:grpSpPr>
+      <p:graphicFrame>
+        <p:nvGraphicFramePr>
+          <p:cNvPr id="5" name="表格 4"/>
+          <p:cNvGraphicFramePr>
+            <a:graphicFrameLocks noGrp="1"/>
+          </p:cNvGraphicFramePr>
+          <p:nvPr>
+            <p:extLst>
+              <p:ext uri="{D42A27DB-BD31-4B8C-83A1-F6EECF244321}">
+                <p14:modId xmlns:p14="http://schemas.microsoft.com/office/powerpoint/2010/main" val="3479751772"/>
+              </p:ext>
+            </p:extLst>
+          </p:nvPr>
+        </p:nvGraphicFramePr>
+        <p:xfrm>
+          <a:off x="1547664" y="764704"/>
+          <a:ext cx="6096000" cy="5339080"/>
+        </p:xfrm>
+        <a:graphic>
+          <a:graphicData uri="http://schemas.openxmlformats.org/drawingml/2006/table">
+            <a:tbl>
+              <a:tblPr firstRow="1" bandRow="1">
+                <a:tableStyleId>{5C22544A-7EE6-4342-B048-85BDC9FD1C3A}</a:tableStyleId>
+              </a:tblPr>
+              <a:tblGrid>
+                <a:gridCol w="2032000"/>
+                <a:gridCol w="2032000"/>
+                <a:gridCol w="2032000"/>
+              </a:tblGrid>
+              <a:tr h="370840">
+                <a:tc>
+                  <a:txBody>
+                    <a:bodyPr/>
+                    <a:lstStyle/>
+                    <a:p>
+                      <a:endParaRPr lang="zh-CN" altLang="en-US" dirty="0"/>
+                    </a:p>
+                  </a:txBody>
+                  <a:tcPr/>
+                </a:tc>
+                <a:tc>
+                  <a:txBody>
+                    <a:bodyPr/>
+                    <a:lstStyle/>
+                    <a:p>
+                      <a:r>
+                        <a:rPr lang="en-US" altLang="zh-CN" dirty="0" err="1" smtClean="0"/>
+                        <a:t>jetx</a:t>
+                      </a:r>
+                      <a:endParaRPr lang="zh-CN" altLang="en-US" dirty="0"/>
+                    </a:p>
+                  </a:txBody>
+                  <a:tcPr/>
+                </a:tc>
+                <a:tc>
+                  <a:txBody>
+                    <a:bodyPr/>
+                    <a:lstStyle/>
+                    <a:p>
+                      <a:r>
+                        <a:rPr lang="en-US" altLang="zh-CN" dirty="0" smtClean="0"/>
+                        <a:t>Angular</a:t>
+                      </a:r>
+                      <a:endParaRPr lang="zh-CN" altLang="en-US" dirty="0"/>
+                    </a:p>
+                  </a:txBody>
+                  <a:tcPr/>
+                </a:tc>
+              </a:tr>
+              <a:tr h="370840">
+                <a:tc>
+                  <a:txBody>
+                    <a:bodyPr/>
+                    <a:lstStyle/>
+                    <a:p>
+                      <a:pPr marL="0" algn="l" defTabSz="914400" rtl="0" eaLnBrk="1" latinLnBrk="0" hangingPunct="1"/>
+                      <a:r>
+                        <a:rPr lang="zh-CN" altLang="en-US" sz="1800" b="1" kern="1200" dirty="0" smtClean="0">
+                          <a:solidFill>
+                            <a:srgbClr val="7030A0"/>
+                          </a:solidFill>
+                          <a:latin typeface="+mn-lt"/>
+                          <a:ea typeface="+mn-ea"/>
+                          <a:cs typeface="+mn-cs"/>
+                        </a:rPr>
+                        <a:t>路由</a:t>
+                      </a:r>
+                      <a:endParaRPr lang="zh-CN" altLang="en-US" sz="1800" b="1" kern="1200" dirty="0">
+                        <a:solidFill>
+                          <a:srgbClr val="7030A0"/>
+                        </a:solidFill>
+                        <a:latin typeface="+mn-lt"/>
+                        <a:ea typeface="+mn-ea"/>
+                        <a:cs typeface="+mn-cs"/>
+                      </a:endParaRPr>
+                    </a:p>
+                  </a:txBody>
+                  <a:tcPr/>
+                </a:tc>
+                <a:tc>
+                  <a:txBody>
+                    <a:bodyPr/>
+                    <a:lstStyle/>
+                    <a:p>
+                      <a:r>
+                        <a:rPr lang="zh-CN" altLang="en-US" sz="1600" dirty="0" smtClean="0"/>
+                        <a:t>后端路由</a:t>
+                      </a:r>
+                      <a:endParaRPr lang="zh-CN" altLang="en-US" sz="1600" dirty="0"/>
+                    </a:p>
+                  </a:txBody>
+                  <a:tcPr/>
+                </a:tc>
+                <a:tc>
+                  <a:txBody>
+                    <a:bodyPr/>
+                    <a:lstStyle/>
+                    <a:p>
+                      <a:r>
+                        <a:rPr lang="zh-CN" altLang="en-US" sz="1600" dirty="0" smtClean="0"/>
+                        <a:t>前端路由</a:t>
+                      </a:r>
+                      <a:endParaRPr lang="zh-CN" altLang="en-US" sz="1600" dirty="0"/>
+                    </a:p>
+                  </a:txBody>
+                  <a:tcPr/>
+                </a:tc>
+              </a:tr>
+              <a:tr h="370840">
+                <a:tc>
+                  <a:txBody>
+                    <a:bodyPr/>
+                    <a:lstStyle/>
+                    <a:p>
+                      <a:pPr marL="0" algn="l" defTabSz="914400" rtl="0" eaLnBrk="1" latinLnBrk="0" hangingPunct="1"/>
+                      <a:r>
+                        <a:rPr lang="zh-CN" altLang="en-US" sz="1800" b="1" kern="1200" dirty="0" smtClean="0">
+                          <a:solidFill>
+                            <a:srgbClr val="7030A0"/>
+                          </a:solidFill>
+                          <a:latin typeface="+mn-lt"/>
+                          <a:ea typeface="+mn-ea"/>
+                          <a:cs typeface="+mn-cs"/>
+                        </a:rPr>
+                        <a:t>动静分离</a:t>
+                      </a:r>
+                      <a:endParaRPr lang="zh-CN" altLang="en-US" sz="1800" b="1" kern="1200" dirty="0">
+                        <a:solidFill>
+                          <a:srgbClr val="7030A0"/>
+                        </a:solidFill>
+                        <a:latin typeface="+mn-lt"/>
+                        <a:ea typeface="+mn-ea"/>
+                        <a:cs typeface="+mn-cs"/>
+                      </a:endParaRPr>
+                    </a:p>
+                  </a:txBody>
+                  <a:tcPr/>
+                </a:tc>
+                <a:tc>
+                  <a:txBody>
+                    <a:bodyPr/>
+                    <a:lstStyle/>
+                    <a:p>
+                      <a:pPr marL="0" algn="l" defTabSz="914400" rtl="0" eaLnBrk="1" latinLnBrk="0" hangingPunct="1"/>
+                      <a:r>
+                        <a:rPr lang="zh-CN" altLang="en-US" sz="1600" kern="1200" dirty="0" smtClean="0">
+                          <a:solidFill>
+                            <a:schemeClr val="dk1"/>
+                          </a:solidFill>
+                          <a:latin typeface="+mn-lt"/>
+                          <a:ea typeface="+mn-ea"/>
+                          <a:cs typeface="+mn-cs"/>
+                        </a:rPr>
+                        <a:t>不支持</a:t>
+                      </a:r>
+                      <a:endParaRPr lang="zh-CN" altLang="en-US" sz="1600" kern="1200" dirty="0">
+                        <a:solidFill>
+                          <a:schemeClr val="dk1"/>
+                        </a:solidFill>
+                        <a:latin typeface="+mn-lt"/>
+                        <a:ea typeface="+mn-ea"/>
+                        <a:cs typeface="+mn-cs"/>
+                      </a:endParaRPr>
+                    </a:p>
+                  </a:txBody>
+                  <a:tcPr/>
+                </a:tc>
+                <a:tc>
+                  <a:txBody>
+                    <a:bodyPr/>
+                    <a:lstStyle/>
+                    <a:p>
+                      <a:pPr marL="0" algn="l" defTabSz="914400" rtl="0" eaLnBrk="1" latinLnBrk="0" hangingPunct="1"/>
+                      <a:r>
+                        <a:rPr lang="zh-CN" altLang="en-US" sz="1600" kern="1200" dirty="0" smtClean="0">
+                          <a:solidFill>
+                            <a:schemeClr val="dk1"/>
+                          </a:solidFill>
+                          <a:latin typeface="+mn-lt"/>
+                          <a:ea typeface="+mn-ea"/>
+                          <a:cs typeface="+mn-cs"/>
+                        </a:rPr>
+                        <a:t>支持</a:t>
+                      </a:r>
+                      <a:endParaRPr lang="zh-CN" altLang="en-US" sz="1600" kern="1200" dirty="0">
+                        <a:solidFill>
+                          <a:schemeClr val="dk1"/>
+                        </a:solidFill>
+                        <a:latin typeface="+mn-lt"/>
+                        <a:ea typeface="+mn-ea"/>
+                        <a:cs typeface="+mn-cs"/>
+                      </a:endParaRPr>
+                    </a:p>
+                  </a:txBody>
+                  <a:tcPr/>
+                </a:tc>
+              </a:tr>
+              <a:tr h="370840">
+                <a:tc>
+                  <a:txBody>
+                    <a:bodyPr/>
+                    <a:lstStyle/>
+                    <a:p>
+                      <a:pPr marL="0" algn="l" defTabSz="914400" rtl="0" eaLnBrk="1" latinLnBrk="0" hangingPunct="1"/>
+                      <a:r>
+                        <a:rPr lang="zh-CN" altLang="en-US" sz="1600" b="1" kern="1200" dirty="0" smtClean="0">
+                          <a:solidFill>
+                            <a:srgbClr val="7030A0"/>
+                          </a:solidFill>
+                          <a:latin typeface="+mn-lt"/>
+                          <a:ea typeface="+mn-ea"/>
+                          <a:cs typeface="+mn-cs"/>
+                        </a:rPr>
+                        <a:t>可测试性</a:t>
+                      </a:r>
+                      <a:endParaRPr lang="zh-CN" altLang="en-US" sz="1600" b="1" kern="1200" dirty="0">
+                        <a:solidFill>
+                          <a:srgbClr val="7030A0"/>
+                        </a:solidFill>
+                        <a:latin typeface="+mn-lt"/>
+                        <a:ea typeface="+mn-ea"/>
+                        <a:cs typeface="+mn-cs"/>
+                      </a:endParaRPr>
+                    </a:p>
+                  </a:txBody>
+                  <a:tcPr/>
+                </a:tc>
+                <a:tc>
+                  <a:txBody>
+                    <a:bodyPr/>
+                    <a:lstStyle/>
+                    <a:p>
+                      <a:pPr marL="0" algn="l" defTabSz="914400" rtl="0" eaLnBrk="1" latinLnBrk="0" hangingPunct="1"/>
+                      <a:r>
+                        <a:rPr lang="zh-CN" altLang="en-US" sz="1600" kern="1200" dirty="0" smtClean="0">
+                          <a:solidFill>
+                            <a:schemeClr val="dk1"/>
+                          </a:solidFill>
+                          <a:latin typeface="+mn-lt"/>
+                          <a:ea typeface="+mn-ea"/>
+                          <a:cs typeface="+mn-cs"/>
+                        </a:rPr>
+                        <a:t>不可测试</a:t>
+                      </a:r>
+                      <a:endParaRPr lang="zh-CN" altLang="en-US" sz="1600" kern="1200" dirty="0">
+                        <a:solidFill>
+                          <a:schemeClr val="dk1"/>
+                        </a:solidFill>
+                        <a:latin typeface="+mn-lt"/>
+                        <a:ea typeface="+mn-ea"/>
+                        <a:cs typeface="+mn-cs"/>
+                      </a:endParaRPr>
+                    </a:p>
+                  </a:txBody>
+                  <a:tcPr/>
+                </a:tc>
+                <a:tc>
+                  <a:txBody>
+                    <a:bodyPr/>
+                    <a:lstStyle/>
+                    <a:p>
+                      <a:pPr marL="0" algn="l" defTabSz="914400" rtl="0" eaLnBrk="1" latinLnBrk="0" hangingPunct="1"/>
+                      <a:r>
+                        <a:rPr lang="zh-CN" altLang="en-US" sz="1600" kern="1200" dirty="0" smtClean="0">
+                          <a:solidFill>
+                            <a:schemeClr val="dk1"/>
+                          </a:solidFill>
+                          <a:latin typeface="+mn-lt"/>
+                          <a:ea typeface="+mn-ea"/>
+                          <a:cs typeface="+mn-cs"/>
+                        </a:rPr>
+                        <a:t>可测试</a:t>
+                      </a:r>
+                      <a:endParaRPr lang="zh-CN" altLang="en-US" sz="1600" kern="1200" dirty="0">
+                        <a:solidFill>
+                          <a:schemeClr val="dk1"/>
+                        </a:solidFill>
+                        <a:latin typeface="+mn-lt"/>
+                        <a:ea typeface="+mn-ea"/>
+                        <a:cs typeface="+mn-cs"/>
+                      </a:endParaRPr>
+                    </a:p>
+                  </a:txBody>
+                  <a:tcPr/>
+                </a:tc>
+              </a:tr>
+              <a:tr h="370840">
+                <a:tc>
+                  <a:txBody>
+                    <a:bodyPr/>
+                    <a:lstStyle/>
+                    <a:p>
+                      <a:r>
+                        <a:rPr lang="en-US" altLang="zh-CN" b="1" dirty="0" smtClean="0">
+                          <a:solidFill>
+                            <a:srgbClr val="7030A0"/>
+                          </a:solidFill>
+                        </a:rPr>
+                        <a:t>IDE</a:t>
+                      </a:r>
+                      <a:r>
+                        <a:rPr lang="zh-CN" altLang="en-US" b="1" dirty="0" smtClean="0">
+                          <a:solidFill>
+                            <a:srgbClr val="7030A0"/>
+                          </a:solidFill>
+                        </a:rPr>
+                        <a:t>友好性</a:t>
+                      </a:r>
+                      <a:endParaRPr lang="zh-CN" altLang="en-US" b="1" dirty="0">
+                        <a:solidFill>
+                          <a:srgbClr val="7030A0"/>
+                        </a:solidFill>
+                      </a:endParaRPr>
+                    </a:p>
+                  </a:txBody>
+                  <a:tcPr/>
+                </a:tc>
+                <a:tc>
+                  <a:txBody>
+                    <a:bodyPr/>
+                    <a:lstStyle/>
+                    <a:p>
+                      <a:r>
+                        <a:rPr lang="en-US" altLang="zh-CN" dirty="0" err="1" smtClean="0"/>
+                        <a:t>Jetx</a:t>
+                      </a:r>
+                      <a:r>
+                        <a:rPr lang="zh-CN" altLang="en-US" dirty="0" smtClean="0"/>
+                        <a:t>模板</a:t>
+                      </a:r>
+                      <a:endParaRPr lang="zh-CN" altLang="en-US" dirty="0"/>
+                    </a:p>
+                  </a:txBody>
+                  <a:tcPr/>
+                </a:tc>
+                <a:tc>
+                  <a:txBody>
+                    <a:bodyPr/>
+                    <a:lstStyle/>
+                    <a:p>
+                      <a:r>
+                        <a:rPr lang="en-US" altLang="zh-CN" dirty="0" smtClean="0"/>
+                        <a:t>Html</a:t>
+                      </a:r>
+                      <a:r>
+                        <a:rPr lang="zh-CN" altLang="en-US" dirty="0" smtClean="0"/>
+                        <a:t>模本</a:t>
+                      </a:r>
+                      <a:endParaRPr lang="zh-CN" altLang="en-US" dirty="0"/>
+                    </a:p>
+                  </a:txBody>
+                  <a:tcPr/>
+                </a:tc>
+              </a:tr>
+              <a:tr h="370840">
+                <a:tc>
+                  <a:txBody>
+                    <a:bodyPr/>
+                    <a:lstStyle/>
+                    <a:p>
+                      <a:r>
+                        <a:rPr lang="en-US" altLang="zh-CN" b="1" dirty="0" smtClean="0">
+                          <a:solidFill>
+                            <a:srgbClr val="7030A0"/>
+                          </a:solidFill>
+                        </a:rPr>
+                        <a:t>Spring</a:t>
+                      </a:r>
+                      <a:r>
+                        <a:rPr lang="zh-CN" altLang="en-US" b="1" dirty="0" smtClean="0">
+                          <a:solidFill>
+                            <a:srgbClr val="7030A0"/>
+                          </a:solidFill>
+                        </a:rPr>
+                        <a:t>支持</a:t>
+                      </a:r>
+                      <a:endParaRPr lang="zh-CN" altLang="en-US" b="1" dirty="0">
+                        <a:solidFill>
+                          <a:srgbClr val="7030A0"/>
+                        </a:solidFill>
+                      </a:endParaRPr>
+                    </a:p>
+                  </a:txBody>
+                  <a:tcPr/>
+                </a:tc>
+                <a:tc>
+                  <a:txBody>
+                    <a:bodyPr/>
+                    <a:lstStyle/>
+                    <a:p>
+                      <a:r>
+                        <a:rPr lang="zh-CN" altLang="en-US" dirty="0" smtClean="0"/>
+                        <a:t>支持</a:t>
+                      </a:r>
+                      <a:endParaRPr lang="zh-CN" altLang="en-US" dirty="0"/>
+                    </a:p>
+                  </a:txBody>
+                  <a:tcPr/>
+                </a:tc>
+                <a:tc>
+                  <a:txBody>
+                    <a:bodyPr/>
+                    <a:lstStyle/>
+                    <a:p>
+                      <a:r>
+                        <a:rPr lang="zh-CN" altLang="en-US" dirty="0" smtClean="0"/>
+                        <a:t>不支持</a:t>
+                      </a:r>
+                      <a:endParaRPr lang="zh-CN" altLang="en-US" dirty="0"/>
+                    </a:p>
+                  </a:txBody>
+                  <a:tcPr/>
+                </a:tc>
+              </a:tr>
+              <a:tr h="370840">
+                <a:tc>
+                  <a:txBody>
+                    <a:bodyPr/>
+                    <a:lstStyle/>
+                    <a:p>
+                      <a:r>
+                        <a:rPr lang="en-US" altLang="zh-CN" b="1" dirty="0" smtClean="0">
+                          <a:solidFill>
+                            <a:srgbClr val="7030A0"/>
+                          </a:solidFill>
+                        </a:rPr>
+                        <a:t>Restful</a:t>
+                      </a:r>
+                      <a:endParaRPr lang="zh-CN" altLang="en-US" b="1" dirty="0">
+                        <a:solidFill>
+                          <a:srgbClr val="7030A0"/>
+                        </a:solidFill>
+                      </a:endParaRPr>
+                    </a:p>
+                  </a:txBody>
+                  <a:tcPr/>
+                </a:tc>
+                <a:tc>
+                  <a:txBody>
+                    <a:bodyPr/>
+                    <a:lstStyle/>
+                    <a:p>
+                      <a:r>
+                        <a:rPr lang="zh-CN" altLang="en-US" dirty="0" smtClean="0"/>
+                        <a:t>不友好</a:t>
+                      </a:r>
+                      <a:endParaRPr lang="zh-CN" altLang="en-US" dirty="0"/>
+                    </a:p>
+                  </a:txBody>
+                  <a:tcPr/>
+                </a:tc>
+                <a:tc>
+                  <a:txBody>
+                    <a:bodyPr/>
+                    <a:lstStyle/>
+                    <a:p>
+                      <a:r>
+                        <a:rPr lang="zh-CN" altLang="en-US" dirty="0" smtClean="0"/>
+                        <a:t>友好</a:t>
+                      </a:r>
+                      <a:endParaRPr lang="zh-CN" altLang="en-US" dirty="0"/>
+                    </a:p>
+                  </a:txBody>
+                  <a:tcPr/>
+                </a:tc>
+              </a:tr>
+              <a:tr h="370840">
+                <a:tc>
+                  <a:txBody>
+                    <a:bodyPr/>
+                    <a:lstStyle/>
+                    <a:p>
+                      <a:r>
+                        <a:rPr lang="zh-CN" altLang="en-US" b="1" dirty="0" smtClean="0">
+                          <a:solidFill>
+                            <a:srgbClr val="7030A0"/>
+                          </a:solidFill>
+                        </a:rPr>
+                        <a:t>生态链</a:t>
+                      </a:r>
+                      <a:endParaRPr lang="zh-CN" altLang="en-US" b="1" dirty="0">
+                        <a:solidFill>
+                          <a:srgbClr val="7030A0"/>
+                        </a:solidFill>
+                      </a:endParaRPr>
+                    </a:p>
+                  </a:txBody>
+                  <a:tcPr/>
+                </a:tc>
+                <a:tc>
+                  <a:txBody>
+                    <a:bodyPr/>
+                    <a:lstStyle/>
+                    <a:p>
+                      <a:r>
+                        <a:rPr lang="en-US" altLang="zh-CN" dirty="0" smtClean="0"/>
+                        <a:t>Java</a:t>
+                      </a:r>
+                      <a:r>
+                        <a:rPr lang="zh-CN" altLang="en-US" dirty="0" smtClean="0"/>
+                        <a:t>模板，无缝结合</a:t>
+                      </a:r>
+                      <a:r>
+                        <a:rPr lang="en-US" altLang="zh-CN" dirty="0" smtClean="0"/>
+                        <a:t>java</a:t>
+                      </a:r>
+                      <a:r>
+                        <a:rPr lang="zh-CN" altLang="en-US" dirty="0" smtClean="0"/>
+                        <a:t>框架</a:t>
+                      </a:r>
+                      <a:endParaRPr lang="zh-CN" altLang="en-US" dirty="0"/>
+                    </a:p>
+                  </a:txBody>
+                  <a:tcPr/>
+                </a:tc>
+                <a:tc>
+                  <a:txBody>
+                    <a:bodyPr/>
+                    <a:lstStyle/>
+                    <a:p>
+                      <a:r>
+                        <a:rPr lang="zh-CN" altLang="en-US" dirty="0" smtClean="0"/>
+                        <a:t>良好的</a:t>
+                      </a:r>
+                      <a:r>
+                        <a:rPr lang="en-US" altLang="zh-CN" dirty="0" err="1" smtClean="0"/>
+                        <a:t>js</a:t>
+                      </a:r>
+                      <a:r>
+                        <a:rPr lang="zh-CN" altLang="en-US" dirty="0" smtClean="0"/>
+                        <a:t>生态链</a:t>
+                      </a:r>
+                      <a:endParaRPr lang="zh-CN" altLang="en-US" dirty="0"/>
+                    </a:p>
+                  </a:txBody>
+                  <a:tcPr/>
+                </a:tc>
+              </a:tr>
+              <a:tr h="370840">
+                <a:tc>
+                  <a:txBody>
+                    <a:bodyPr/>
+                    <a:lstStyle/>
+                    <a:p>
+                      <a:r>
+                        <a:rPr lang="zh-CN" altLang="en-US" b="1" dirty="0" smtClean="0">
+                          <a:solidFill>
+                            <a:srgbClr val="7030A0"/>
+                          </a:solidFill>
+                        </a:rPr>
+                        <a:t>性能</a:t>
+                      </a:r>
+                      <a:endParaRPr lang="zh-CN" altLang="en-US" b="1" dirty="0">
+                        <a:solidFill>
+                          <a:srgbClr val="7030A0"/>
+                        </a:solidFill>
+                      </a:endParaRPr>
+                    </a:p>
+                  </a:txBody>
+                  <a:tcPr/>
+                </a:tc>
+                <a:tc>
+                  <a:txBody>
+                    <a:bodyPr/>
+                    <a:lstStyle/>
+                    <a:p>
+                      <a:r>
+                        <a:rPr lang="zh-CN" altLang="en-US" dirty="0" smtClean="0"/>
+                        <a:t>整页刷新，后端渲染，效率高，</a:t>
+                      </a:r>
+                      <a:r>
+                        <a:rPr lang="en-US" altLang="zh-CN" dirty="0" smtClean="0"/>
+                        <a:t>SEO</a:t>
+                      </a:r>
+                      <a:r>
+                        <a:rPr lang="zh-CN" altLang="en-US" dirty="0" smtClean="0"/>
+                        <a:t>友好，耗费服务端资源。</a:t>
+                      </a:r>
+                      <a:endParaRPr lang="zh-CN" altLang="en-US" dirty="0"/>
+                    </a:p>
+                  </a:txBody>
+                  <a:tcPr/>
+                </a:tc>
+                <a:tc>
+                  <a:txBody>
+                    <a:bodyPr/>
+                    <a:lstStyle/>
+                    <a:p>
+                      <a:r>
+                        <a:rPr lang="zh-CN" altLang="en-US" dirty="0" smtClean="0"/>
+                        <a:t>单页面深链接，可操作性和用户体验更好，依赖浏览器渲染能力，</a:t>
+                      </a:r>
+                      <a:r>
+                        <a:rPr lang="en-US" altLang="zh-CN" dirty="0" smtClean="0"/>
+                        <a:t>SEO</a:t>
+                      </a:r>
+                      <a:r>
+                        <a:rPr lang="zh-CN" altLang="en-US" dirty="0" smtClean="0"/>
+                        <a:t>不友好。</a:t>
+                      </a:r>
+                      <a:endParaRPr lang="zh-CN" altLang="en-US" dirty="0"/>
+                    </a:p>
+                  </a:txBody>
+                  <a:tcPr/>
+                </a:tc>
+              </a:tr>
+              <a:tr h="370840">
+                <a:tc>
+                  <a:txBody>
+                    <a:bodyPr/>
+                    <a:lstStyle/>
+                    <a:p>
+                      <a:r>
+                        <a:rPr lang="zh-CN" altLang="en-US" b="1" dirty="0" smtClean="0">
+                          <a:solidFill>
+                            <a:srgbClr val="7030A0"/>
+                          </a:solidFill>
+                        </a:rPr>
+                        <a:t>可移植性</a:t>
+                      </a:r>
+                      <a:endParaRPr lang="zh-CN" altLang="en-US" b="1" dirty="0">
+                        <a:solidFill>
+                          <a:srgbClr val="7030A0"/>
+                        </a:solidFill>
+                      </a:endParaRPr>
+                    </a:p>
+                  </a:txBody>
+                  <a:tcPr/>
+                </a:tc>
+                <a:tc>
+                  <a:txBody>
+                    <a:bodyPr/>
+                    <a:lstStyle/>
+                    <a:p>
+                      <a:r>
+                        <a:rPr lang="zh-CN" altLang="en-US" dirty="0" smtClean="0"/>
+                        <a:t>不可移植</a:t>
+                      </a:r>
+                      <a:endParaRPr lang="zh-CN" altLang="en-US" dirty="0"/>
+                    </a:p>
+                  </a:txBody>
+                  <a:tcPr/>
+                </a:tc>
+                <a:tc>
+                  <a:txBody>
+                    <a:bodyPr/>
+                    <a:lstStyle/>
+                    <a:p>
+                      <a:r>
+                        <a:rPr lang="zh-CN" altLang="en-US" dirty="0" smtClean="0"/>
+                        <a:t>可移植，不关心服务端的实现</a:t>
+                      </a:r>
+                      <a:endParaRPr lang="zh-CN" altLang="en-US" dirty="0"/>
+                    </a:p>
+                  </a:txBody>
+                  <a:tcPr/>
+                </a:tc>
+              </a:tr>
+            </a:tbl>
+          </a:graphicData>
+        </a:graphic>
+      </p:graphicFrame>
+    </p:spTree>
+    <p:extLst>
+      <p:ext uri="{BB962C8B-B14F-4D97-AF65-F5344CB8AC3E}">
+        <p14:creationId xmlns:p14="http://schemas.microsoft.com/office/powerpoint/2010/main" val="2588764711"/>
+      </p:ext>
+    </p:extLst>
+  </p:cSld>
+  <p:clrMapOvr>
+    <a:masterClrMapping/>
+  </p:clrMapOvr>
+</p:sld>
+</file>
+
+<file path=ppt/slides/slide18.xml><?xml version="1.0" encoding="utf-8"?>
+<p:sld xmlns:a="http://schemas.openxmlformats.org/drawingml/2006/main" xmlns:r="http://schemas.openxmlformats.org/officeDocument/2006/relationships" xmlns:p="http://schemas.openxmlformats.org/presentationml/2006/main">
+  <p:cSld>
+    <p:spTree>
+      <p:nvGrpSpPr>
+        <p:cNvPr id="1" name=""/>
+        <p:cNvGrpSpPr/>
+        <p:nvPr/>
+      </p:nvGrpSpPr>
+      <p:grpSpPr>
+        <a:xfrm>
+          <a:off x="0" y="0"/>
+          <a:ext cx="0" cy="0"/>
+          <a:chOff x="0" y="0"/>
+          <a:chExt cx="0" cy="0"/>
+        </a:xfrm>
+      </p:grpSpPr>
+      <p:sp>
+        <p:nvSpPr>
+          <p:cNvPr id="4" name="TextBox 3"/>
+          <p:cNvSpPr txBox="1"/>
+          <p:nvPr/>
+        </p:nvSpPr>
+        <p:spPr>
+          <a:xfrm>
+            <a:off x="827584" y="1556792"/>
+            <a:ext cx="7344816" cy="1754326"/>
+          </a:xfrm>
+          <a:prstGeom prst="rect">
+            <a:avLst/>
+          </a:prstGeom>
+          <a:noFill/>
+        </p:spPr>
+        <p:txBody>
+          <a:bodyPr wrap="square" rtlCol="0">
+            <a:spAutoFit/>
+          </a:bodyPr>
+          <a:lstStyle/>
+          <a:p>
+            <a:r>
+              <a:rPr lang="zh-CN" altLang="en-US" dirty="0" smtClean="0"/>
+              <a:t>为什么要做？</a:t>
+            </a:r>
+            <a:endParaRPr lang="en-US" altLang="zh-CN" dirty="0" smtClean="0"/>
+          </a:p>
+          <a:p>
+            <a:r>
+              <a:rPr lang="en-US" altLang="zh-CN" dirty="0" smtClean="0"/>
+              <a:t>1</a:t>
+            </a:r>
+            <a:r>
+              <a:rPr lang="zh-CN" altLang="en-US" dirty="0" smtClean="0"/>
+              <a:t>、</a:t>
+            </a:r>
+            <a:r>
+              <a:rPr lang="en-US" altLang="zh-CN" dirty="0" smtClean="0"/>
+              <a:t>2016</a:t>
+            </a:r>
+            <a:r>
+              <a:rPr lang="zh-CN" altLang="en-US" dirty="0" smtClean="0"/>
+              <a:t>年时间相对充裕</a:t>
+            </a:r>
+            <a:endParaRPr lang="en-US" altLang="zh-CN" dirty="0" smtClean="0"/>
+          </a:p>
+          <a:p>
+            <a:r>
+              <a:rPr lang="en-US" altLang="zh-CN" dirty="0" smtClean="0"/>
+              <a:t>2</a:t>
+            </a:r>
+            <a:r>
+              <a:rPr lang="zh-CN" altLang="en-US" dirty="0" smtClean="0"/>
+              <a:t>、纵观云服务提供商，基本是单页面深链接的方式来提高云服务的可操作性和体验的流畅感</a:t>
+            </a:r>
+            <a:endParaRPr lang="en-US" altLang="zh-CN" dirty="0" smtClean="0"/>
+          </a:p>
+          <a:p>
+            <a:r>
+              <a:rPr lang="en-US" altLang="zh-CN" dirty="0" smtClean="0"/>
+              <a:t>3</a:t>
+            </a:r>
+            <a:r>
+              <a:rPr lang="zh-CN" altLang="en-US" dirty="0" smtClean="0"/>
+              <a:t>、提高前端开发效率</a:t>
+            </a:r>
+            <a:endParaRPr lang="en-US" altLang="zh-CN" dirty="0" smtClean="0"/>
+          </a:p>
+          <a:p>
+            <a:r>
+              <a:rPr lang="en-US" altLang="zh-CN" dirty="0" smtClean="0"/>
+              <a:t>4</a:t>
+            </a:r>
+            <a:r>
+              <a:rPr lang="zh-CN" altLang="en-US" dirty="0" smtClean="0"/>
+              <a:t>、之前有一定的经验</a:t>
+            </a:r>
+            <a:endParaRPr lang="en-US" altLang="zh-CN" dirty="0" smtClean="0"/>
+          </a:p>
+        </p:txBody>
+      </p:sp>
+    </p:spTree>
+    <p:extLst>
+      <p:ext uri="{BB962C8B-B14F-4D97-AF65-F5344CB8AC3E}">
+        <p14:creationId xmlns:p14="http://schemas.microsoft.com/office/powerpoint/2010/main" val="1591653954"/>
+      </p:ext>
+    </p:extLst>
+  </p:cSld>
+  <p:clrMapOvr>
+    <a:masterClrMapping/>
+  </p:clrMapOvr>
 </p:sld>
 </file>
 

--- a/docs/titilink架构方案_讨论稿.pptx
+++ b/docs/titilink架构方案_讨论稿.pptx
@@ -305,7 +305,7 @@
           <a:p>
             <a:fld id="{530820CF-B880-4189-942D-D702A7CBA730}" type="datetimeFigureOut">
               <a:rPr lang="zh-CN" altLang="en-US" smtClean="0"/>
-              <a:t>2016/1/26</a:t>
+              <a:t>2016/3/15</a:t>
             </a:fld>
             <a:endParaRPr lang="zh-CN" altLang="en-US"/>
           </a:p>
@@ -470,7 +470,7 @@
           <a:p>
             <a:fld id="{530820CF-B880-4189-942D-D702A7CBA730}" type="datetimeFigureOut">
               <a:rPr lang="zh-CN" altLang="en-US" smtClean="0"/>
-              <a:t>2016/1/26</a:t>
+              <a:t>2016/3/15</a:t>
             </a:fld>
             <a:endParaRPr lang="zh-CN" altLang="en-US"/>
           </a:p>
@@ -645,7 +645,7 @@
           <a:p>
             <a:fld id="{530820CF-B880-4189-942D-D702A7CBA730}" type="datetimeFigureOut">
               <a:rPr lang="zh-CN" altLang="en-US" smtClean="0"/>
-              <a:t>2016/1/26</a:t>
+              <a:t>2016/3/15</a:t>
             </a:fld>
             <a:endParaRPr lang="zh-CN" altLang="en-US"/>
           </a:p>
@@ -810,7 +810,7 @@
           <a:p>
             <a:fld id="{530820CF-B880-4189-942D-D702A7CBA730}" type="datetimeFigureOut">
               <a:rPr lang="zh-CN" altLang="en-US" smtClean="0"/>
-              <a:t>2016/1/26</a:t>
+              <a:t>2016/3/15</a:t>
             </a:fld>
             <a:endParaRPr lang="zh-CN" altLang="en-US"/>
           </a:p>
@@ -1051,7 +1051,7 @@
           <a:p>
             <a:fld id="{530820CF-B880-4189-942D-D702A7CBA730}" type="datetimeFigureOut">
               <a:rPr lang="zh-CN" altLang="en-US" smtClean="0"/>
-              <a:t>2016/1/26</a:t>
+              <a:t>2016/3/15</a:t>
             </a:fld>
             <a:endParaRPr lang="zh-CN" altLang="en-US"/>
           </a:p>
@@ -1334,7 +1334,7 @@
           <a:p>
             <a:fld id="{530820CF-B880-4189-942D-D702A7CBA730}" type="datetimeFigureOut">
               <a:rPr lang="zh-CN" altLang="en-US" smtClean="0"/>
-              <a:t>2016/1/26</a:t>
+              <a:t>2016/3/15</a:t>
             </a:fld>
             <a:endParaRPr lang="zh-CN" altLang="en-US"/>
           </a:p>
@@ -1751,7 +1751,7 @@
           <a:p>
             <a:fld id="{530820CF-B880-4189-942D-D702A7CBA730}" type="datetimeFigureOut">
               <a:rPr lang="zh-CN" altLang="en-US" smtClean="0"/>
-              <a:t>2016/1/26</a:t>
+              <a:t>2016/3/15</a:t>
             </a:fld>
             <a:endParaRPr lang="zh-CN" altLang="en-US"/>
           </a:p>
@@ -1864,7 +1864,7 @@
           <a:p>
             <a:fld id="{530820CF-B880-4189-942D-D702A7CBA730}" type="datetimeFigureOut">
               <a:rPr lang="zh-CN" altLang="en-US" smtClean="0"/>
-              <a:t>2016/1/26</a:t>
+              <a:t>2016/3/15</a:t>
             </a:fld>
             <a:endParaRPr lang="zh-CN" altLang="en-US"/>
           </a:p>
@@ -1954,7 +1954,7 @@
           <a:p>
             <a:fld id="{530820CF-B880-4189-942D-D702A7CBA730}" type="datetimeFigureOut">
               <a:rPr lang="zh-CN" altLang="en-US" smtClean="0"/>
-              <a:t>2016/1/26</a:t>
+              <a:t>2016/3/15</a:t>
             </a:fld>
             <a:endParaRPr lang="zh-CN" altLang="en-US"/>
           </a:p>
@@ -2226,7 +2226,7 @@
           <a:p>
             <a:fld id="{530820CF-B880-4189-942D-D702A7CBA730}" type="datetimeFigureOut">
               <a:rPr lang="zh-CN" altLang="en-US" smtClean="0"/>
-              <a:t>2016/1/26</a:t>
+              <a:t>2016/3/15</a:t>
             </a:fld>
             <a:endParaRPr lang="zh-CN" altLang="en-US"/>
           </a:p>
@@ -2474,7 +2474,7 @@
           <a:p>
             <a:fld id="{530820CF-B880-4189-942D-D702A7CBA730}" type="datetimeFigureOut">
               <a:rPr lang="zh-CN" altLang="en-US" smtClean="0"/>
-              <a:t>2016/1/26</a:t>
+              <a:t>2016/3/15</a:t>
             </a:fld>
             <a:endParaRPr lang="zh-CN" altLang="en-US"/>
           </a:p>
@@ -2687,7 +2687,7 @@
           <a:p>
             <a:fld id="{530820CF-B880-4189-942D-D702A7CBA730}" type="datetimeFigureOut">
               <a:rPr lang="zh-CN" altLang="en-US" smtClean="0"/>
-              <a:t>2016/1/26</a:t>
+              <a:t>2016/3/15</a:t>
             </a:fld>
             <a:endParaRPr lang="zh-CN" altLang="en-US"/>
           </a:p>
